--- a/Tutorial_9/CS1010_TutC09_9.pptx
+++ b/Tutorial_9/CS1010_TutC09_9.pptx
@@ -6476,21 +6476,26 @@
               <a:t>is much more efficient than </a:t>
             </a:r>
             <a:r>
-              <a:rPr lang="en-SG" b="1" dirty="0">
+              <a:rPr lang="en-SG" b="1">
                 <a:solidFill>
                   <a:srgbClr val="0070C0"/>
                 </a:solidFill>
               </a:rPr>
-              <a:t>Binary Search</a:t>
-            </a:r>
-            <a:r>
-              <a:rPr lang="en-SG" dirty="0">
+              <a:t>Linear Search</a:t>
+            </a:r>
+            <a:r>
+              <a:rPr lang="en-SG">
                 <a:solidFill>
                   <a:schemeClr val="tx1"/>
                 </a:solidFill>
               </a:rPr>
               <a:t>.</a:t>
             </a:r>
+            <a:endParaRPr lang="en-SG" dirty="0">
+              <a:solidFill>
+                <a:schemeClr val="tx1"/>
+              </a:solidFill>
+            </a:endParaRPr>
           </a:p>
           <a:p>
             <a:pPr lvl="1"/>
